--- a/BrainStation/excel/excel Advanced prep/Excel AdvancedS5.pptx
+++ b/BrainStation/excel/excel Advanced prep/Excel AdvancedS5.pptx
@@ -5,10 +5,10 @@
     <p:sldMasterId id="2147483648" r:id="rId4"/>
   </p:sldMasterIdLst>
   <p:notesMasterIdLst>
-    <p:notesMasterId r:id="rId19"/>
+    <p:notesMasterId r:id="rId18"/>
   </p:notesMasterIdLst>
   <p:handoutMasterIdLst>
-    <p:handoutMasterId r:id="rId20"/>
+    <p:handoutMasterId r:id="rId19"/>
   </p:handoutMasterIdLst>
   <p:sldIdLst>
     <p:sldId id="256" r:id="rId5"/>
@@ -22,9 +22,8 @@
     <p:sldId id="3873" r:id="rId13"/>
     <p:sldId id="3874" r:id="rId14"/>
     <p:sldId id="3876" r:id="rId15"/>
-    <p:sldId id="3877" r:id="rId16"/>
-    <p:sldId id="3875" r:id="rId17"/>
-    <p:sldId id="3847" r:id="rId18"/>
+    <p:sldId id="3875" r:id="rId16"/>
+    <p:sldId id="3847" r:id="rId17"/>
   </p:sldIdLst>
   <p:sldSz cx="12192000" cy="6858000"/>
   <p:notesSz cx="6858000" cy="9144000"/>
@@ -3088,7 +3087,7 @@
           <a:p>
             <a:fld id="{0DC994AA-C437-4EF4-8BEF-0B832D7FA420}" type="datetimeFigureOut">
               <a:rPr lang="en-US" smtClean="0"/>
-              <a:t>12/30/2024</a:t>
+              <a:t>12/31/2024</a:t>
             </a:fld>
             <a:endParaRPr lang="en-US" dirty="0"/>
           </a:p>
@@ -3265,7 +3264,7 @@
           <a:p>
             <a:fld id="{FB20CE03-6C3A-EB4D-A9B1-7EFD38B58412}" type="datetimeFigureOut">
               <a:rPr lang="en-US" smtClean="0"/>
-              <a:t>12/30/2024</a:t>
+              <a:t>12/31/2024</a:t>
             </a:fld>
             <a:endParaRPr lang="en-US" dirty="0"/>
           </a:p>
@@ -3897,7 +3896,7 @@
           <a:p>
             <a:fld id="{8B57D50D-BAA9-464B-B391-243138E078D8}" type="slidenum">
               <a:rPr lang="en-US" smtClean="0"/>
-              <a:t>13</a:t>
+              <a:t>12</a:t>
             </a:fld>
             <a:endParaRPr lang="en-US" dirty="0"/>
           </a:p>
@@ -3981,7 +3980,7 @@
           <a:p>
             <a:fld id="{8B57D50D-BAA9-464B-B391-243138E078D8}" type="slidenum">
               <a:rPr lang="en-US" smtClean="0"/>
-              <a:t>14</a:t>
+              <a:t>13</a:t>
             </a:fld>
             <a:endParaRPr lang="en-US" dirty="0"/>
           </a:p>
@@ -5532,7 +5531,7 @@
           <a:p>
             <a:fld id="{D6D8061D-18C3-4F4F-85EF-561633F58754}" type="datetimeFigureOut">
               <a:rPr lang="en-US" smtClean="0"/>
-              <a:t>12/30/2024</a:t>
+              <a:t>12/31/2024</a:t>
             </a:fld>
             <a:endParaRPr lang="en-US" dirty="0"/>
           </a:p>
@@ -5675,7 +5674,7 @@
           <a:p>
             <a:fld id="{D6D8061D-18C3-4F4F-85EF-561633F58754}" type="datetimeFigureOut">
               <a:rPr lang="en-US" smtClean="0"/>
-              <a:t>12/30/2024</a:t>
+              <a:t>12/31/2024</a:t>
             </a:fld>
             <a:endParaRPr lang="en-US" dirty="0"/>
           </a:p>
@@ -6820,7 +6819,7 @@
           <a:p>
             <a:fld id="{D6D8061D-18C3-4F4F-85EF-561633F58754}" type="datetimeFigureOut">
               <a:rPr lang="en-US" smtClean="0"/>
-              <a:t>12/30/2024</a:t>
+              <a:t>12/31/2024</a:t>
             </a:fld>
             <a:endParaRPr lang="en-US" dirty="0"/>
           </a:p>
@@ -8143,7 +8142,7 @@
           <a:p>
             <a:fld id="{D6D8061D-18C3-4F4F-85EF-561633F58754}" type="datetimeFigureOut">
               <a:rPr lang="en-US" smtClean="0"/>
-              <a:t>12/30/2024</a:t>
+              <a:t>12/31/2024</a:t>
             </a:fld>
             <a:endParaRPr lang="en-US" dirty="0"/>
           </a:p>
@@ -9413,7 +9412,7 @@
           <a:p>
             <a:fld id="{D6D8061D-18C3-4F4F-85EF-561633F58754}" type="datetimeFigureOut">
               <a:rPr lang="en-US" smtClean="0"/>
-              <a:t>12/30/2024</a:t>
+              <a:t>12/31/2024</a:t>
             </a:fld>
             <a:endParaRPr lang="en-US" dirty="0"/>
           </a:p>
@@ -10478,7 +10477,7 @@
           <a:p>
             <a:fld id="{D6D8061D-18C3-4F4F-85EF-561633F58754}" type="datetimeFigureOut">
               <a:rPr lang="en-US" smtClean="0"/>
-              <a:t>12/30/2024</a:t>
+              <a:t>12/31/2024</a:t>
             </a:fld>
             <a:endParaRPr lang="en-US" dirty="0"/>
           </a:p>
@@ -10887,7 +10886,7 @@
           <a:p>
             <a:fld id="{D6D8061D-18C3-4F4F-85EF-561633F58754}" type="datetimeFigureOut">
               <a:rPr lang="en-US" smtClean="0"/>
-              <a:t>12/30/2024</a:t>
+              <a:t>12/31/2024</a:t>
             </a:fld>
             <a:endParaRPr lang="en-US" dirty="0"/>
           </a:p>
@@ -11858,7 +11857,7 @@
           <a:p>
             <a:fld id="{D6D8061D-18C3-4F4F-85EF-561633F58754}" type="datetimeFigureOut">
               <a:rPr lang="en-US" smtClean="0"/>
-              <a:t>12/30/2024</a:t>
+              <a:t>12/31/2024</a:t>
             </a:fld>
             <a:endParaRPr lang="en-US" dirty="0"/>
           </a:p>
@@ -12695,7 +12694,7 @@
           <a:p>
             <a:fld id="{D6D8061D-18C3-4F4F-85EF-561633F58754}" type="datetimeFigureOut">
               <a:rPr lang="en-US" smtClean="0"/>
-              <a:t>12/30/2024</a:t>
+              <a:t>12/31/2024</a:t>
             </a:fld>
             <a:endParaRPr lang="en-US" dirty="0"/>
           </a:p>
@@ -12936,7 +12935,7 @@
           <a:p>
             <a:fld id="{D6D8061D-18C3-4F4F-85EF-561633F58754}" type="datetimeFigureOut">
               <a:rPr lang="en-US" smtClean="0"/>
-              <a:t>12/30/2024</a:t>
+              <a:t>12/31/2024</a:t>
             </a:fld>
             <a:endParaRPr lang="en-US" dirty="0"/>
           </a:p>
@@ -13720,117 +13719,6 @@
         <p:cNvPr id="1" name="">
           <a:extLst>
             <a:ext uri="{FF2B5EF4-FFF2-40B4-BE49-F238E27FC236}">
-              <a16:creationId xmlns:a16="http://schemas.microsoft.com/office/drawing/2014/main" id="{E549ACDD-EBF8-826C-F81B-B1215B40F80A}"/>
-            </a:ext>
-          </a:extLst>
-        </p:cNvPr>
-        <p:cNvGrpSpPr/>
-        <p:nvPr/>
-      </p:nvGrpSpPr>
-      <p:grpSpPr>
-        <a:xfrm>
-          <a:off x="0" y="0"/>
-          <a:ext cx="0" cy="0"/>
-          <a:chOff x="0" y="0"/>
-          <a:chExt cx="0" cy="0"/>
-        </a:xfrm>
-      </p:grpSpPr>
-      <p:sp>
-        <p:nvSpPr>
-          <p:cNvPr id="2" name="Title 1">
-            <a:extLst>
-              <a:ext uri="{FF2B5EF4-FFF2-40B4-BE49-F238E27FC236}">
-                <a16:creationId xmlns:a16="http://schemas.microsoft.com/office/drawing/2014/main" id="{FA3BFD8C-CAAF-E8C3-723D-584E21687B35}"/>
-              </a:ext>
-            </a:extLst>
-          </p:cNvPr>
-          <p:cNvSpPr>
-            <a:spLocks noGrp="1"/>
-          </p:cNvSpPr>
-          <p:nvPr>
-            <p:ph type="title"/>
-          </p:nvPr>
-        </p:nvSpPr>
-        <p:spPr>
-          <a:xfrm>
-            <a:off x="838200" y="365125"/>
-            <a:ext cx="10515600" cy="1325563"/>
-          </a:xfrm>
-        </p:spPr>
-        <p:txBody>
-          <a:bodyPr anchor="ctr">
-            <a:normAutofit/>
-          </a:bodyPr>
-          <a:lstStyle/>
-          <a:p>
-            <a:r>
-              <a:rPr lang="en-US" dirty="0">
-                <a:solidFill>
-                  <a:schemeClr val="accent5"/>
-                </a:solidFill>
-              </a:rPr>
-              <a:t>Combination Chart</a:t>
-            </a:r>
-          </a:p>
-        </p:txBody>
-      </p:sp>
-      <p:pic>
-        <p:nvPicPr>
-          <p:cNvPr id="5" name="Picture 4" descr="A screenshot of a computer&#10;&#10;Description automatically generated">
-            <a:extLst>
-              <a:ext uri="{FF2B5EF4-FFF2-40B4-BE49-F238E27FC236}">
-                <a16:creationId xmlns:a16="http://schemas.microsoft.com/office/drawing/2014/main" id="{BE406EC4-B997-FD53-E18E-755BDE0F9485}"/>
-              </a:ext>
-            </a:extLst>
-          </p:cNvPr>
-          <p:cNvPicPr>
-            <a:picLocks noChangeAspect="1"/>
-          </p:cNvPicPr>
-          <p:nvPr/>
-        </p:nvPicPr>
-        <p:blipFill>
-          <a:blip r:embed="rId2">
-            <a:extLst>
-              <a:ext uri="{28A0092B-C50C-407E-A947-70E740481C1C}">
-                <a14:useLocalDpi xmlns:a14="http://schemas.microsoft.com/office/drawing/2010/main" val="0"/>
-              </a:ext>
-            </a:extLst>
-          </a:blip>
-          <a:stretch>
-            <a:fillRect/>
-          </a:stretch>
-        </p:blipFill>
-        <p:spPr>
-          <a:xfrm>
-            <a:off x="5659146" y="571249"/>
-            <a:ext cx="5458587" cy="5963482"/>
-          </a:xfrm>
-          <a:prstGeom prst="rect">
-            <a:avLst/>
-          </a:prstGeom>
-        </p:spPr>
-      </p:pic>
-    </p:spTree>
-    <p:extLst>
-      <p:ext uri="{BB962C8B-B14F-4D97-AF65-F5344CB8AC3E}">
-        <p14:creationId xmlns:p14="http://schemas.microsoft.com/office/powerpoint/2010/main" val="2769491013"/>
-      </p:ext>
-    </p:extLst>
-  </p:cSld>
-  <p:clrMapOvr>
-    <a:masterClrMapping/>
-  </p:clrMapOvr>
-</p:sld>
-</file>
-
-<file path=ppt/slides/slide13.xml><?xml version="1.0" encoding="utf-8"?>
-<p:sld xmlns:a="http://schemas.openxmlformats.org/drawingml/2006/main" xmlns:r="http://schemas.openxmlformats.org/officeDocument/2006/relationships" xmlns:p="http://schemas.openxmlformats.org/presentationml/2006/main">
-  <p:cSld>
-    <p:spTree>
-      <p:nvGrpSpPr>
-        <p:cNvPr id="1" name="">
-          <a:extLst>
-            <a:ext uri="{FF2B5EF4-FFF2-40B4-BE49-F238E27FC236}">
               <a16:creationId xmlns:a16="http://schemas.microsoft.com/office/drawing/2014/main" id="{DF6FD25F-25D0-9290-1DE4-FF98E324F2E1}"/>
             </a:ext>
           </a:extLst>
@@ -13963,7 +13851,7 @@
 </p:sld>
 </file>
 
-<file path=ppt/slides/slide14.xml><?xml version="1.0" encoding="utf-8"?>
+<file path=ppt/slides/slide13.xml><?xml version="1.0" encoding="utf-8"?>
 <p:sld xmlns:a="http://schemas.openxmlformats.org/drawingml/2006/main" xmlns:r="http://schemas.openxmlformats.org/officeDocument/2006/relationships" xmlns:p="http://schemas.openxmlformats.org/presentationml/2006/main">
   <p:cSld>
     <p:spTree>
@@ -16856,6 +16744,15 @@
 </file>
 
 <file path=customXml/item1.xml><?xml version="1.0" encoding="utf-8"?>
+<?mso-contentType ?>
+<FormTemplates xmlns="http://schemas.microsoft.com/sharepoint/v3/contenttype/forms">
+  <Display>DocumentLibraryForm</Display>
+  <Edit>DocumentLibraryForm</Edit>
+  <New>DocumentLibraryForm</New>
+</FormTemplates>
+</file>
+
+<file path=customXml/item2.xml><?xml version="1.0" encoding="utf-8"?>
 <p:properties xmlns:p="http://schemas.microsoft.com/office/2006/metadata/properties" xmlns:xsi="http://www.w3.org/2001/XMLSchema-instance" xmlns:pc="http://schemas.microsoft.com/office/infopath/2007/PartnerControls">
   <documentManagement>
     <_ip_UnifiedCompliancePolicyUIAction xmlns="http://schemas.microsoft.com/sharepoint/v3" xsi:nil="true"/>
@@ -16873,15 +16770,6 @@
     <MediaServiceKeyPoints xmlns="71af3243-3dd4-4a8d-8c0d-dd76da1f02a5" xsi:nil="true"/>
   </documentManagement>
 </p:properties>
-</file>
-
-<file path=customXml/item2.xml><?xml version="1.0" encoding="utf-8"?>
-<?mso-contentType ?>
-<FormTemplates xmlns="http://schemas.microsoft.com/sharepoint/v3/contenttype/forms">
-  <Display>DocumentLibraryForm</Display>
-  <Edit>DocumentLibraryForm</Edit>
-  <New>DocumentLibraryForm</New>
-</FormTemplates>
 </file>
 
 <file path=customXml/item3.xml><?xml version="1.0" encoding="utf-8"?>
@@ -17197,6 +17085,14 @@
 </file>
 
 <file path=customXml/itemProps1.xml><?xml version="1.0" encoding="utf-8"?>
+<ds:datastoreItem xmlns:ds="http://schemas.openxmlformats.org/officeDocument/2006/customXml" ds:itemID="{4E60708A-6461-4D7F-883F-7E25D731D326}">
+  <ds:schemaRefs>
+    <ds:schemaRef ds:uri="http://schemas.microsoft.com/sharepoint/v3/contenttype/forms"/>
+  </ds:schemaRefs>
+</ds:datastoreItem>
+</file>
+
+<file path=customXml/itemProps2.xml><?xml version="1.0" encoding="utf-8"?>
 <ds:datastoreItem xmlns:ds="http://schemas.openxmlformats.org/officeDocument/2006/customXml" ds:itemID="{E130005B-6102-4F3C-A26F-485DF1BF9717}">
   <ds:schemaRefs>
     <ds:schemaRef ds:uri="http://schemas.microsoft.com/office/2006/metadata/properties"/>
@@ -17204,14 +17100,6 @@
     <ds:schemaRef ds:uri="http://schemas.microsoft.com/sharepoint/v3"/>
     <ds:schemaRef ds:uri="71af3243-3dd4-4a8d-8c0d-dd76da1f02a5"/>
     <ds:schemaRef ds:uri="230e9df3-be65-4c73-a93b-d1236ebd677e"/>
-  </ds:schemaRefs>
-</ds:datastoreItem>
-</file>
-
-<file path=customXml/itemProps2.xml><?xml version="1.0" encoding="utf-8"?>
-<ds:datastoreItem xmlns:ds="http://schemas.openxmlformats.org/officeDocument/2006/customXml" ds:itemID="{4E60708A-6461-4D7F-883F-7E25D731D326}">
-  <ds:schemaRefs>
-    <ds:schemaRef ds:uri="http://schemas.microsoft.com/sharepoint/v3/contenttype/forms"/>
   </ds:schemaRefs>
 </ds:datastoreItem>
 </file>
